--- a/毕业论文.pptx
+++ b/毕业论文.pptx
@@ -9,6 +9,7 @@
     <p:sldId id="258" r:id="rId3"/>
     <p:sldId id="257" r:id="rId4"/>
     <p:sldId id="259" r:id="rId5"/>
+    <p:sldId id="260" r:id="rId6"/>
   </p:sldIdLst>
   <p:sldSz cx="12192000" cy="6858000"/>
   <p:notesSz cx="6858000" cy="9144000"/>
@@ -107,6 +108,11 @@
       </a:defRPr>
     </a:lvl9pPr>
   </p:defaultTextStyle>
+  <p:extLst>
+    <p:ext uri="{EFAFB233-063F-42B5-8137-9DF3F51BA10A}">
+      <p15:sldGuideLst xmlns:p15="http://schemas.microsoft.com/office/powerpoint/2012/main"/>
+    </p:ext>
+  </p:extLst>
 </p:presentation>
 </file>
 
@@ -241,7 +247,7 @@
           <a:p>
             <a:fld id="{B3C9B8D6-FD44-4607-A3E7-A302C77AC615}" type="datetimeFigureOut">
               <a:rPr lang="zh-CN" altLang="en-US" smtClean="0"/>
-              <a:t>2016/6/2</a:t>
+              <a:t>2016/6/5</a:t>
             </a:fld>
             <a:endParaRPr lang="zh-CN" altLang="en-US"/>
           </a:p>
@@ -411,7 +417,7 @@
           <a:p>
             <a:fld id="{B3C9B8D6-FD44-4607-A3E7-A302C77AC615}" type="datetimeFigureOut">
               <a:rPr lang="zh-CN" altLang="en-US" smtClean="0"/>
-              <a:t>2016/6/2</a:t>
+              <a:t>2016/6/5</a:t>
             </a:fld>
             <a:endParaRPr lang="zh-CN" altLang="en-US"/>
           </a:p>
@@ -591,7 +597,7 @@
           <a:p>
             <a:fld id="{B3C9B8D6-FD44-4607-A3E7-A302C77AC615}" type="datetimeFigureOut">
               <a:rPr lang="zh-CN" altLang="en-US" smtClean="0"/>
-              <a:t>2016/6/2</a:t>
+              <a:t>2016/6/5</a:t>
             </a:fld>
             <a:endParaRPr lang="zh-CN" altLang="en-US"/>
           </a:p>
@@ -761,7 +767,7 @@
           <a:p>
             <a:fld id="{B3C9B8D6-FD44-4607-A3E7-A302C77AC615}" type="datetimeFigureOut">
               <a:rPr lang="zh-CN" altLang="en-US" smtClean="0"/>
-              <a:t>2016/6/2</a:t>
+              <a:t>2016/6/5</a:t>
             </a:fld>
             <a:endParaRPr lang="zh-CN" altLang="en-US"/>
           </a:p>
@@ -1007,7 +1013,7 @@
           <a:p>
             <a:fld id="{B3C9B8D6-FD44-4607-A3E7-A302C77AC615}" type="datetimeFigureOut">
               <a:rPr lang="zh-CN" altLang="en-US" smtClean="0"/>
-              <a:t>2016/6/2</a:t>
+              <a:t>2016/6/5</a:t>
             </a:fld>
             <a:endParaRPr lang="zh-CN" altLang="en-US"/>
           </a:p>
@@ -1239,7 +1245,7 @@
           <a:p>
             <a:fld id="{B3C9B8D6-FD44-4607-A3E7-A302C77AC615}" type="datetimeFigureOut">
               <a:rPr lang="zh-CN" altLang="en-US" smtClean="0"/>
-              <a:t>2016/6/2</a:t>
+              <a:t>2016/6/5</a:t>
             </a:fld>
             <a:endParaRPr lang="zh-CN" altLang="en-US"/>
           </a:p>
@@ -1606,7 +1612,7 @@
           <a:p>
             <a:fld id="{B3C9B8D6-FD44-4607-A3E7-A302C77AC615}" type="datetimeFigureOut">
               <a:rPr lang="zh-CN" altLang="en-US" smtClean="0"/>
-              <a:t>2016/6/2</a:t>
+              <a:t>2016/6/5</a:t>
             </a:fld>
             <a:endParaRPr lang="zh-CN" altLang="en-US"/>
           </a:p>
@@ -1724,7 +1730,7 @@
           <a:p>
             <a:fld id="{B3C9B8D6-FD44-4607-A3E7-A302C77AC615}" type="datetimeFigureOut">
               <a:rPr lang="zh-CN" altLang="en-US" smtClean="0"/>
-              <a:t>2016/6/2</a:t>
+              <a:t>2016/6/5</a:t>
             </a:fld>
             <a:endParaRPr lang="zh-CN" altLang="en-US"/>
           </a:p>
@@ -1819,7 +1825,7 @@
           <a:p>
             <a:fld id="{B3C9B8D6-FD44-4607-A3E7-A302C77AC615}" type="datetimeFigureOut">
               <a:rPr lang="zh-CN" altLang="en-US" smtClean="0"/>
-              <a:t>2016/6/2</a:t>
+              <a:t>2016/6/5</a:t>
             </a:fld>
             <a:endParaRPr lang="zh-CN" altLang="en-US"/>
           </a:p>
@@ -2096,7 +2102,7 @@
           <a:p>
             <a:fld id="{B3C9B8D6-FD44-4607-A3E7-A302C77AC615}" type="datetimeFigureOut">
               <a:rPr lang="zh-CN" altLang="en-US" smtClean="0"/>
-              <a:t>2016/6/2</a:t>
+              <a:t>2016/6/5</a:t>
             </a:fld>
             <a:endParaRPr lang="zh-CN" altLang="en-US"/>
           </a:p>
@@ -2349,7 +2355,7 @@
           <a:p>
             <a:fld id="{B3C9B8D6-FD44-4607-A3E7-A302C77AC615}" type="datetimeFigureOut">
               <a:rPr lang="zh-CN" altLang="en-US" smtClean="0"/>
-              <a:t>2016/6/2</a:t>
+              <a:t>2016/6/5</a:t>
             </a:fld>
             <a:endParaRPr lang="zh-CN" altLang="en-US"/>
           </a:p>
@@ -2562,7 +2568,7 @@
           <a:p>
             <a:fld id="{B3C9B8D6-FD44-4607-A3E7-A302C77AC615}" type="datetimeFigureOut">
               <a:rPr lang="zh-CN" altLang="en-US" smtClean="0"/>
-              <a:t>2016/6/2</a:t>
+              <a:t>2016/6/5</a:t>
             </a:fld>
             <a:endParaRPr lang="zh-CN" altLang="en-US"/>
           </a:p>
@@ -3081,7 +3087,7 @@
         </p:nvSpPr>
         <p:spPr>
           <a:xfrm>
-            <a:off x="3023286" y="1878227"/>
+            <a:off x="3015048" y="1829053"/>
             <a:ext cx="5313406" cy="3871784"/>
           </a:xfrm>
           <a:prstGeom prst="rect">
@@ -3513,17 +3519,355 @@
           </a:p>
         </p:txBody>
       </p:sp>
+      <p:sp>
+        <p:nvSpPr>
+          <p:cNvPr id="23" name="矩形 22"/>
+          <p:cNvSpPr/>
+          <p:nvPr/>
+        </p:nvSpPr>
+        <p:spPr>
+          <a:xfrm>
+            <a:off x="3248372" y="4260309"/>
+            <a:ext cx="280087" cy="1235675"/>
+          </a:xfrm>
+          <a:prstGeom prst="rect">
+            <a:avLst/>
+          </a:prstGeom>
+        </p:spPr>
+        <p:style>
+          <a:lnRef idx="2">
+            <a:schemeClr val="accent1"/>
+          </a:lnRef>
+          <a:fillRef idx="1">
+            <a:schemeClr val="lt1"/>
+          </a:fillRef>
+          <a:effectRef idx="0">
+            <a:schemeClr val="accent1"/>
+          </a:effectRef>
+          <a:fontRef idx="minor">
+            <a:schemeClr val="dk1"/>
+          </a:fontRef>
+        </p:style>
+        <p:txBody>
+          <a:bodyPr vert="eaVert" rtlCol="0" anchor="ctr"/>
+          <a:lstStyle/>
+          <a:p>
+            <a:pPr algn="ctr"/>
+            <a:r>
+              <a:rPr lang="zh-CN" altLang="en-US" sz="1200" dirty="0" smtClean="0"/>
+              <a:t>申请者个人信息</a:t>
+            </a:r>
+            <a:endParaRPr lang="zh-CN" altLang="en-US" sz="1200" dirty="0"/>
+          </a:p>
+        </p:txBody>
+      </p:sp>
+      <p:sp>
+        <p:nvSpPr>
+          <p:cNvPr id="30" name="矩形 29"/>
+          <p:cNvSpPr/>
+          <p:nvPr/>
+        </p:nvSpPr>
+        <p:spPr>
+          <a:xfrm>
+            <a:off x="3921966" y="4251816"/>
+            <a:ext cx="280087" cy="1235675"/>
+          </a:xfrm>
+          <a:prstGeom prst="rect">
+            <a:avLst/>
+          </a:prstGeom>
+        </p:spPr>
+        <p:style>
+          <a:lnRef idx="2">
+            <a:schemeClr val="accent1"/>
+          </a:lnRef>
+          <a:fillRef idx="1">
+            <a:schemeClr val="lt1"/>
+          </a:fillRef>
+          <a:effectRef idx="0">
+            <a:schemeClr val="accent1"/>
+          </a:effectRef>
+          <a:fontRef idx="minor">
+            <a:schemeClr val="dk1"/>
+          </a:fontRef>
+        </p:style>
+        <p:txBody>
+          <a:bodyPr vert="eaVert" rtlCol="0" anchor="ctr"/>
+          <a:lstStyle/>
+          <a:p>
+            <a:pPr algn="ctr"/>
+            <a:r>
+              <a:rPr lang="zh-CN" altLang="en-US" sz="1200" dirty="0" smtClean="0"/>
+              <a:t>审核者个人信息</a:t>
+            </a:r>
+            <a:endParaRPr lang="zh-CN" altLang="en-US" sz="1200" dirty="0"/>
+          </a:p>
+        </p:txBody>
+      </p:sp>
+      <p:sp>
+        <p:nvSpPr>
+          <p:cNvPr id="31" name="矩形 30"/>
+          <p:cNvSpPr/>
+          <p:nvPr/>
+        </p:nvSpPr>
+        <p:spPr>
+          <a:xfrm>
+            <a:off x="4513730" y="4251815"/>
+            <a:ext cx="280087" cy="1235675"/>
+          </a:xfrm>
+          <a:prstGeom prst="rect">
+            <a:avLst/>
+          </a:prstGeom>
+        </p:spPr>
+        <p:style>
+          <a:lnRef idx="2">
+            <a:schemeClr val="accent1"/>
+          </a:lnRef>
+          <a:fillRef idx="1">
+            <a:schemeClr val="lt1"/>
+          </a:fillRef>
+          <a:effectRef idx="0">
+            <a:schemeClr val="accent1"/>
+          </a:effectRef>
+          <a:fontRef idx="minor">
+            <a:schemeClr val="dk1"/>
+          </a:fontRef>
+        </p:style>
+        <p:txBody>
+          <a:bodyPr vert="eaVert" rtlCol="0" anchor="ctr"/>
+          <a:lstStyle/>
+          <a:p>
+            <a:pPr algn="ctr"/>
+            <a:r>
+              <a:rPr lang="zh-CN" altLang="en-US" sz="1200" dirty="0" smtClean="0"/>
+              <a:t>申请学分审核</a:t>
+            </a:r>
+            <a:endParaRPr lang="zh-CN" altLang="en-US" sz="1200" dirty="0"/>
+          </a:p>
+        </p:txBody>
+      </p:sp>
+      <p:sp>
+        <p:nvSpPr>
+          <p:cNvPr id="32" name="矩形 31"/>
+          <p:cNvSpPr/>
+          <p:nvPr/>
+        </p:nvSpPr>
+        <p:spPr>
+          <a:xfrm>
+            <a:off x="5186776" y="4251814"/>
+            <a:ext cx="280087" cy="1235675"/>
+          </a:xfrm>
+          <a:prstGeom prst="rect">
+            <a:avLst/>
+          </a:prstGeom>
+        </p:spPr>
+        <p:style>
+          <a:lnRef idx="2">
+            <a:schemeClr val="accent1"/>
+          </a:lnRef>
+          <a:fillRef idx="1">
+            <a:schemeClr val="lt1"/>
+          </a:fillRef>
+          <a:effectRef idx="0">
+            <a:schemeClr val="accent1"/>
+          </a:effectRef>
+          <a:fontRef idx="minor">
+            <a:schemeClr val="dk1"/>
+          </a:fontRef>
+        </p:style>
+        <p:txBody>
+          <a:bodyPr vert="eaVert" rtlCol="0" anchor="ctr"/>
+          <a:lstStyle/>
+          <a:p>
+            <a:pPr algn="ctr"/>
+            <a:r>
+              <a:rPr lang="zh-CN" altLang="en-US" sz="1200" dirty="0" smtClean="0"/>
+              <a:t>查询申请结果</a:t>
+            </a:r>
+            <a:endParaRPr lang="zh-CN" altLang="en-US" sz="1200" dirty="0"/>
+          </a:p>
+        </p:txBody>
+      </p:sp>
+      <p:sp>
+        <p:nvSpPr>
+          <p:cNvPr id="33" name="矩形 32"/>
+          <p:cNvSpPr/>
+          <p:nvPr/>
+        </p:nvSpPr>
+        <p:spPr>
+          <a:xfrm>
+            <a:off x="5832085" y="4260766"/>
+            <a:ext cx="280087" cy="1235675"/>
+          </a:xfrm>
+          <a:prstGeom prst="rect">
+            <a:avLst/>
+          </a:prstGeom>
+        </p:spPr>
+        <p:style>
+          <a:lnRef idx="2">
+            <a:schemeClr val="accent1"/>
+          </a:lnRef>
+          <a:fillRef idx="1">
+            <a:schemeClr val="lt1"/>
+          </a:fillRef>
+          <a:effectRef idx="0">
+            <a:schemeClr val="accent1"/>
+          </a:effectRef>
+          <a:fontRef idx="minor">
+            <a:schemeClr val="dk1"/>
+          </a:fontRef>
+        </p:style>
+        <p:txBody>
+          <a:bodyPr vert="eaVert" rtlCol="0" anchor="ctr"/>
+          <a:lstStyle/>
+          <a:p>
+            <a:pPr algn="ctr"/>
+            <a:r>
+              <a:rPr lang="zh-CN" altLang="en-US" sz="1200" dirty="0" smtClean="0"/>
+              <a:t>审核学分申请</a:t>
+            </a:r>
+            <a:endParaRPr lang="zh-CN" altLang="en-US" sz="1200" dirty="0"/>
+          </a:p>
+        </p:txBody>
+      </p:sp>
+      <p:sp>
+        <p:nvSpPr>
+          <p:cNvPr id="34" name="矩形 33"/>
+          <p:cNvSpPr/>
+          <p:nvPr/>
+        </p:nvSpPr>
+        <p:spPr>
+          <a:xfrm>
+            <a:off x="6521760" y="4251815"/>
+            <a:ext cx="280087" cy="1235675"/>
+          </a:xfrm>
+          <a:prstGeom prst="rect">
+            <a:avLst/>
+          </a:prstGeom>
+        </p:spPr>
+        <p:style>
+          <a:lnRef idx="2">
+            <a:schemeClr val="accent1"/>
+          </a:lnRef>
+          <a:fillRef idx="1">
+            <a:schemeClr val="lt1"/>
+          </a:fillRef>
+          <a:effectRef idx="0">
+            <a:schemeClr val="accent1"/>
+          </a:effectRef>
+          <a:fontRef idx="minor">
+            <a:schemeClr val="dk1"/>
+          </a:fontRef>
+        </p:style>
+        <p:txBody>
+          <a:bodyPr vert="eaVert" rtlCol="0" anchor="ctr"/>
+          <a:lstStyle/>
+          <a:p>
+            <a:pPr algn="ctr"/>
+            <a:r>
+              <a:rPr lang="zh-CN" altLang="en-US" sz="1200" dirty="0" smtClean="0"/>
+              <a:t>管理审核结果</a:t>
+            </a:r>
+            <a:endParaRPr lang="zh-CN" altLang="en-US" sz="1200" dirty="0"/>
+          </a:p>
+        </p:txBody>
+      </p:sp>
+      <p:sp>
+        <p:nvSpPr>
+          <p:cNvPr id="35" name="矩形 34"/>
+          <p:cNvSpPr/>
+          <p:nvPr/>
+        </p:nvSpPr>
+        <p:spPr>
+          <a:xfrm>
+            <a:off x="7141147" y="4251816"/>
+            <a:ext cx="280087" cy="1235675"/>
+          </a:xfrm>
+          <a:prstGeom prst="rect">
+            <a:avLst/>
+          </a:prstGeom>
+        </p:spPr>
+        <p:style>
+          <a:lnRef idx="2">
+            <a:schemeClr val="accent1"/>
+          </a:lnRef>
+          <a:fillRef idx="1">
+            <a:schemeClr val="lt1"/>
+          </a:fillRef>
+          <a:effectRef idx="0">
+            <a:schemeClr val="accent1"/>
+          </a:effectRef>
+          <a:fontRef idx="minor">
+            <a:schemeClr val="dk1"/>
+          </a:fontRef>
+        </p:style>
+        <p:txBody>
+          <a:bodyPr vert="eaVert" rtlCol="0" anchor="ctr"/>
+          <a:lstStyle/>
+          <a:p>
+            <a:pPr algn="ctr"/>
+            <a:r>
+              <a:rPr lang="zh-CN" altLang="en-US" sz="1200" dirty="0" smtClean="0"/>
+              <a:t>导出打印</a:t>
+            </a:r>
+            <a:r>
+              <a:rPr lang="zh-CN" altLang="en-US" sz="1200" dirty="0" smtClean="0"/>
+              <a:t>学分</a:t>
+            </a:r>
+            <a:endParaRPr lang="zh-CN" altLang="en-US" sz="1200" dirty="0"/>
+          </a:p>
+        </p:txBody>
+      </p:sp>
+      <p:sp>
+        <p:nvSpPr>
+          <p:cNvPr id="36" name="矩形 35"/>
+          <p:cNvSpPr/>
+          <p:nvPr/>
+        </p:nvSpPr>
+        <p:spPr>
+          <a:xfrm>
+            <a:off x="7818615" y="4251813"/>
+            <a:ext cx="280087" cy="1235675"/>
+          </a:xfrm>
+          <a:prstGeom prst="rect">
+            <a:avLst/>
+          </a:prstGeom>
+        </p:spPr>
+        <p:style>
+          <a:lnRef idx="2">
+            <a:schemeClr val="accent1"/>
+          </a:lnRef>
+          <a:fillRef idx="1">
+            <a:schemeClr val="lt1"/>
+          </a:fillRef>
+          <a:effectRef idx="0">
+            <a:schemeClr val="accent1"/>
+          </a:effectRef>
+          <a:fontRef idx="minor">
+            <a:schemeClr val="dk1"/>
+          </a:fontRef>
+        </p:style>
+        <p:txBody>
+          <a:bodyPr vert="eaVert" rtlCol="0" anchor="ctr"/>
+          <a:lstStyle/>
+          <a:p>
+            <a:pPr algn="ctr"/>
+            <a:r>
+              <a:rPr lang="zh-CN" altLang="en-US" sz="1200" dirty="0" smtClean="0"/>
+              <a:t>统计学分</a:t>
+            </a:r>
+            <a:endParaRPr lang="zh-CN" altLang="en-US" sz="1200" dirty="0"/>
+          </a:p>
+        </p:txBody>
+      </p:sp>
       <p:cxnSp>
         <p:nvCxnSpPr>
-          <p:cNvPr id="19" name="直接连接符 18"/>
-          <p:cNvCxnSpPr>
-            <a:stCxn id="14" idx="2"/>
-          </p:cNvCxnSpPr>
+          <p:cNvPr id="48" name="直接连接符 47"/>
+          <p:cNvCxnSpPr/>
           <p:nvPr/>
         </p:nvCxnSpPr>
         <p:spPr>
           <a:xfrm>
-            <a:off x="3748216" y="3799831"/>
+            <a:off x="3739827" y="3799831"/>
             <a:ext cx="0" cy="162569"/>
           </a:xfrm>
           <a:prstGeom prst="line">
@@ -3547,14 +3891,14 @@
       </p:cxnSp>
       <p:cxnSp>
         <p:nvCxnSpPr>
-          <p:cNvPr id="20" name="直接连接符 19"/>
+          <p:cNvPr id="56" name="直接连接符 55"/>
           <p:cNvCxnSpPr/>
           <p:nvPr/>
         </p:nvCxnSpPr>
         <p:spPr>
           <a:xfrm>
-            <a:off x="4979772" y="3787471"/>
-            <a:ext cx="0" cy="162569"/>
+            <a:off x="3386658" y="3962400"/>
+            <a:ext cx="709209" cy="0"/>
           </a:xfrm>
           <a:prstGeom prst="line">
             <a:avLst/>
@@ -3577,18 +3921,21 @@
       </p:cxnSp>
       <p:cxnSp>
         <p:nvCxnSpPr>
-          <p:cNvPr id="21" name="直接连接符 20"/>
+          <p:cNvPr id="57" name="直接箭头连接符 56"/>
           <p:cNvCxnSpPr/>
           <p:nvPr/>
         </p:nvCxnSpPr>
         <p:spPr>
-          <a:xfrm>
-            <a:off x="6318422" y="3750399"/>
-            <a:ext cx="0" cy="162569"/>
-          </a:xfrm>
-          <a:prstGeom prst="line">
-            <a:avLst/>
-          </a:prstGeom>
+          <a:xfrm flipH="1">
+            <a:off x="3386657" y="3962400"/>
+            <a:ext cx="4119" cy="297909"/>
+          </a:xfrm>
+          <a:prstGeom prst="straightConnector1">
+            <a:avLst/>
+          </a:prstGeom>
+          <a:ln>
+            <a:tailEnd type="triangle"/>
+          </a:ln>
         </p:spPr>
         <p:style>
           <a:lnRef idx="1">
@@ -3607,384 +3954,21 @@
       </p:cxnSp>
       <p:cxnSp>
         <p:nvCxnSpPr>
-          <p:cNvPr id="22" name="直接连接符 21"/>
+          <p:cNvPr id="58" name="直接箭头连接符 57"/>
           <p:cNvCxnSpPr/>
           <p:nvPr/>
         </p:nvCxnSpPr>
         <p:spPr>
-          <a:xfrm>
-            <a:off x="7607646" y="3770991"/>
-            <a:ext cx="0" cy="162569"/>
-          </a:xfrm>
-          <a:prstGeom prst="line">
-            <a:avLst/>
-          </a:prstGeom>
-        </p:spPr>
-        <p:style>
-          <a:lnRef idx="1">
-            <a:schemeClr val="accent1"/>
-          </a:lnRef>
-          <a:fillRef idx="0">
-            <a:schemeClr val="accent1"/>
-          </a:fillRef>
-          <a:effectRef idx="0">
-            <a:schemeClr val="accent1"/>
-          </a:effectRef>
-          <a:fontRef idx="minor">
-            <a:schemeClr val="tx1"/>
-          </a:fontRef>
-        </p:style>
-      </p:cxnSp>
-      <p:sp>
-        <p:nvSpPr>
-          <p:cNvPr id="23" name="矩形 22"/>
-          <p:cNvSpPr/>
-          <p:nvPr/>
-        </p:nvSpPr>
-        <p:spPr>
-          <a:xfrm>
-            <a:off x="3214816" y="4260309"/>
-            <a:ext cx="280087" cy="1235675"/>
-          </a:xfrm>
-          <a:prstGeom prst="rect">
-            <a:avLst/>
-          </a:prstGeom>
-        </p:spPr>
-        <p:style>
-          <a:lnRef idx="2">
-            <a:schemeClr val="accent1"/>
-          </a:lnRef>
-          <a:fillRef idx="1">
-            <a:schemeClr val="lt1"/>
-          </a:fillRef>
-          <a:effectRef idx="0">
-            <a:schemeClr val="accent1"/>
-          </a:effectRef>
-          <a:fontRef idx="minor">
-            <a:schemeClr val="dk1"/>
-          </a:fontRef>
-        </p:style>
-        <p:txBody>
-          <a:bodyPr vert="eaVert" rtlCol="0" anchor="ctr"/>
-          <a:lstStyle/>
-          <a:p>
-            <a:pPr algn="ctr"/>
-            <a:r>
-              <a:rPr lang="zh-CN" altLang="en-US" sz="1200" dirty="0" smtClean="0"/>
-              <a:t>申请者个人信息</a:t>
-            </a:r>
-            <a:endParaRPr lang="zh-CN" altLang="en-US" sz="1200" dirty="0"/>
-          </a:p>
-        </p:txBody>
-      </p:sp>
-      <p:sp>
-        <p:nvSpPr>
-          <p:cNvPr id="30" name="矩形 29"/>
-          <p:cNvSpPr/>
-          <p:nvPr/>
-        </p:nvSpPr>
-        <p:spPr>
-          <a:xfrm>
-            <a:off x="3880021" y="4251816"/>
-            <a:ext cx="280087" cy="1235675"/>
-          </a:xfrm>
-          <a:prstGeom prst="rect">
-            <a:avLst/>
-          </a:prstGeom>
-        </p:spPr>
-        <p:style>
-          <a:lnRef idx="2">
-            <a:schemeClr val="accent1"/>
-          </a:lnRef>
-          <a:fillRef idx="1">
-            <a:schemeClr val="lt1"/>
-          </a:fillRef>
-          <a:effectRef idx="0">
-            <a:schemeClr val="accent1"/>
-          </a:effectRef>
-          <a:fontRef idx="minor">
-            <a:schemeClr val="dk1"/>
-          </a:fontRef>
-        </p:style>
-        <p:txBody>
-          <a:bodyPr vert="eaVert" rtlCol="0" anchor="ctr"/>
-          <a:lstStyle/>
-          <a:p>
-            <a:pPr algn="ctr"/>
-            <a:r>
-              <a:rPr lang="zh-CN" altLang="en-US" sz="1200" dirty="0" smtClean="0"/>
-              <a:t>审核者个人信息</a:t>
-            </a:r>
-            <a:endParaRPr lang="zh-CN" altLang="en-US" sz="1200" dirty="0"/>
-          </a:p>
-        </p:txBody>
-      </p:sp>
-      <p:sp>
-        <p:nvSpPr>
-          <p:cNvPr id="31" name="矩形 30"/>
-          <p:cNvSpPr/>
-          <p:nvPr/>
-        </p:nvSpPr>
-        <p:spPr>
-          <a:xfrm>
-            <a:off x="4547286" y="4251815"/>
-            <a:ext cx="280087" cy="1235675"/>
-          </a:xfrm>
-          <a:prstGeom prst="rect">
-            <a:avLst/>
-          </a:prstGeom>
-        </p:spPr>
-        <p:style>
-          <a:lnRef idx="2">
-            <a:schemeClr val="accent1"/>
-          </a:lnRef>
-          <a:fillRef idx="1">
-            <a:schemeClr val="lt1"/>
-          </a:fillRef>
-          <a:effectRef idx="0">
-            <a:schemeClr val="accent1"/>
-          </a:effectRef>
-          <a:fontRef idx="minor">
-            <a:schemeClr val="dk1"/>
-          </a:fontRef>
-        </p:style>
-        <p:txBody>
-          <a:bodyPr vert="eaVert" rtlCol="0" anchor="ctr"/>
-          <a:lstStyle/>
-          <a:p>
-            <a:pPr algn="ctr"/>
-            <a:r>
-              <a:rPr lang="zh-CN" altLang="en-US" sz="1200" dirty="0" smtClean="0"/>
-              <a:t>申请学分审核</a:t>
-            </a:r>
-            <a:endParaRPr lang="zh-CN" altLang="en-US" sz="1200" dirty="0"/>
-          </a:p>
-        </p:txBody>
-      </p:sp>
-      <p:sp>
-        <p:nvSpPr>
-          <p:cNvPr id="32" name="矩形 31"/>
-          <p:cNvSpPr/>
-          <p:nvPr/>
-        </p:nvSpPr>
-        <p:spPr>
-          <a:xfrm>
-            <a:off x="5128053" y="4251814"/>
-            <a:ext cx="280087" cy="1235675"/>
-          </a:xfrm>
-          <a:prstGeom prst="rect">
-            <a:avLst/>
-          </a:prstGeom>
-        </p:spPr>
-        <p:style>
-          <a:lnRef idx="2">
-            <a:schemeClr val="accent1"/>
-          </a:lnRef>
-          <a:fillRef idx="1">
-            <a:schemeClr val="lt1"/>
-          </a:fillRef>
-          <a:effectRef idx="0">
-            <a:schemeClr val="accent1"/>
-          </a:effectRef>
-          <a:fontRef idx="minor">
-            <a:schemeClr val="dk1"/>
-          </a:fontRef>
-        </p:style>
-        <p:txBody>
-          <a:bodyPr vert="eaVert" rtlCol="0" anchor="ctr"/>
-          <a:lstStyle/>
-          <a:p>
-            <a:pPr algn="ctr"/>
-            <a:r>
-              <a:rPr lang="zh-CN" altLang="en-US" sz="1200" dirty="0" smtClean="0"/>
-              <a:t>查询申请结果</a:t>
-            </a:r>
-            <a:endParaRPr lang="zh-CN" altLang="en-US" sz="1200" dirty="0"/>
-          </a:p>
-        </p:txBody>
-      </p:sp>
-      <p:sp>
-        <p:nvSpPr>
-          <p:cNvPr id="33" name="矩形 32"/>
-          <p:cNvSpPr/>
-          <p:nvPr/>
-        </p:nvSpPr>
-        <p:spPr>
-          <a:xfrm>
-            <a:off x="5848863" y="4260766"/>
-            <a:ext cx="280087" cy="1235675"/>
-          </a:xfrm>
-          <a:prstGeom prst="rect">
-            <a:avLst/>
-          </a:prstGeom>
-        </p:spPr>
-        <p:style>
-          <a:lnRef idx="2">
-            <a:schemeClr val="accent1"/>
-          </a:lnRef>
-          <a:fillRef idx="1">
-            <a:schemeClr val="lt1"/>
-          </a:fillRef>
-          <a:effectRef idx="0">
-            <a:schemeClr val="accent1"/>
-          </a:effectRef>
-          <a:fontRef idx="minor">
-            <a:schemeClr val="dk1"/>
-          </a:fontRef>
-        </p:style>
-        <p:txBody>
-          <a:bodyPr vert="eaVert" rtlCol="0" anchor="ctr"/>
-          <a:lstStyle/>
-          <a:p>
-            <a:pPr algn="ctr"/>
-            <a:r>
-              <a:rPr lang="zh-CN" altLang="en-US" sz="1200" dirty="0" smtClean="0"/>
-              <a:t>审核学分申请</a:t>
-            </a:r>
-            <a:endParaRPr lang="zh-CN" altLang="en-US" sz="1200" dirty="0"/>
-          </a:p>
-        </p:txBody>
-      </p:sp>
-      <p:sp>
-        <p:nvSpPr>
-          <p:cNvPr id="34" name="矩形 33"/>
-          <p:cNvSpPr/>
-          <p:nvPr/>
-        </p:nvSpPr>
-        <p:spPr>
-          <a:xfrm>
-            <a:off x="6437870" y="4251815"/>
-            <a:ext cx="280087" cy="1235675"/>
-          </a:xfrm>
-          <a:prstGeom prst="rect">
-            <a:avLst/>
-          </a:prstGeom>
-        </p:spPr>
-        <p:style>
-          <a:lnRef idx="2">
-            <a:schemeClr val="accent1"/>
-          </a:lnRef>
-          <a:fillRef idx="1">
-            <a:schemeClr val="lt1"/>
-          </a:fillRef>
-          <a:effectRef idx="0">
-            <a:schemeClr val="accent1"/>
-          </a:effectRef>
-          <a:fontRef idx="minor">
-            <a:schemeClr val="dk1"/>
-          </a:fontRef>
-        </p:style>
-        <p:txBody>
-          <a:bodyPr vert="eaVert" rtlCol="0" anchor="ctr"/>
-          <a:lstStyle/>
-          <a:p>
-            <a:pPr algn="ctr"/>
-            <a:r>
-              <a:rPr lang="zh-CN" altLang="en-US" sz="1200" dirty="0" smtClean="0"/>
-              <a:t>管理审核结果</a:t>
-            </a:r>
-            <a:endParaRPr lang="zh-CN" altLang="en-US" sz="1200" dirty="0"/>
-          </a:p>
-        </p:txBody>
-      </p:sp>
-      <p:sp>
-        <p:nvSpPr>
-          <p:cNvPr id="35" name="矩形 34"/>
-          <p:cNvSpPr/>
-          <p:nvPr/>
-        </p:nvSpPr>
-        <p:spPr>
-          <a:xfrm>
-            <a:off x="7199870" y="4251816"/>
-            <a:ext cx="280087" cy="1235675"/>
-          </a:xfrm>
-          <a:prstGeom prst="rect">
-            <a:avLst/>
-          </a:prstGeom>
-        </p:spPr>
-        <p:style>
-          <a:lnRef idx="2">
-            <a:schemeClr val="accent1"/>
-          </a:lnRef>
-          <a:fillRef idx="1">
-            <a:schemeClr val="lt1"/>
-          </a:fillRef>
-          <a:effectRef idx="0">
-            <a:schemeClr val="accent1"/>
-          </a:effectRef>
-          <a:fontRef idx="minor">
-            <a:schemeClr val="dk1"/>
-          </a:fontRef>
-        </p:style>
-        <p:txBody>
-          <a:bodyPr vert="eaVert" rtlCol="0" anchor="ctr"/>
-          <a:lstStyle/>
-          <a:p>
-            <a:pPr algn="ctr"/>
-            <a:r>
-              <a:rPr lang="zh-CN" altLang="en-US" sz="1200" dirty="0" smtClean="0"/>
-              <a:t>打印学分</a:t>
-            </a:r>
-            <a:endParaRPr lang="zh-CN" altLang="en-US" sz="1200" dirty="0"/>
-          </a:p>
-        </p:txBody>
-      </p:sp>
-      <p:sp>
-        <p:nvSpPr>
-          <p:cNvPr id="36" name="矩形 35"/>
-          <p:cNvSpPr/>
-          <p:nvPr/>
-        </p:nvSpPr>
-        <p:spPr>
-          <a:xfrm>
-            <a:off x="7768281" y="4251813"/>
-            <a:ext cx="280087" cy="1235675"/>
-          </a:xfrm>
-          <a:prstGeom prst="rect">
-            <a:avLst/>
-          </a:prstGeom>
-        </p:spPr>
-        <p:style>
-          <a:lnRef idx="2">
-            <a:schemeClr val="accent1"/>
-          </a:lnRef>
-          <a:fillRef idx="1">
-            <a:schemeClr val="lt1"/>
-          </a:fillRef>
-          <a:effectRef idx="0">
-            <a:schemeClr val="accent1"/>
-          </a:effectRef>
-          <a:fontRef idx="minor">
-            <a:schemeClr val="dk1"/>
-          </a:fontRef>
-        </p:style>
-        <p:txBody>
-          <a:bodyPr vert="eaVert" rtlCol="0" anchor="ctr"/>
-          <a:lstStyle/>
-          <a:p>
-            <a:pPr algn="ctr"/>
-            <a:r>
-              <a:rPr lang="zh-CN" altLang="en-US" sz="1200" dirty="0" smtClean="0"/>
-              <a:t>统计学分</a:t>
-            </a:r>
-            <a:endParaRPr lang="zh-CN" altLang="en-US" sz="1200" dirty="0"/>
-          </a:p>
-        </p:txBody>
-      </p:sp>
-      <p:cxnSp>
-        <p:nvCxnSpPr>
-          <p:cNvPr id="38" name="直接连接符 37"/>
-          <p:cNvCxnSpPr/>
-          <p:nvPr/>
-        </p:nvCxnSpPr>
-        <p:spPr>
-          <a:xfrm>
-            <a:off x="3336324" y="3962400"/>
-            <a:ext cx="823784" cy="0"/>
-          </a:xfrm>
-          <a:prstGeom prst="line">
-            <a:avLst/>
-          </a:prstGeom>
+          <a:xfrm flipH="1">
+            <a:off x="4087478" y="3958154"/>
+            <a:ext cx="4119" cy="297909"/>
+          </a:xfrm>
+          <a:prstGeom prst="straightConnector1">
+            <a:avLst/>
+          </a:prstGeom>
+          <a:ln>
+            <a:tailEnd type="triangle"/>
+          </a:ln>
         </p:spPr>
         <p:style>
           <a:lnRef idx="1">
@@ -4003,14 +3987,14 @@
       </p:cxnSp>
       <p:cxnSp>
         <p:nvCxnSpPr>
-          <p:cNvPr id="40" name="直接连接符 39"/>
+          <p:cNvPr id="59" name="直接连接符 58"/>
           <p:cNvCxnSpPr/>
           <p:nvPr/>
         </p:nvCxnSpPr>
         <p:spPr>
-          <a:xfrm flipV="1">
-            <a:off x="4547286" y="3950040"/>
-            <a:ext cx="860854" cy="4122"/>
+          <a:xfrm>
+            <a:off x="4981399" y="3799831"/>
+            <a:ext cx="0" cy="162569"/>
           </a:xfrm>
           <a:prstGeom prst="line">
             <a:avLst/>
@@ -4033,14 +4017,14 @@
       </p:cxnSp>
       <p:cxnSp>
         <p:nvCxnSpPr>
-          <p:cNvPr id="42" name="直接连接符 41"/>
+          <p:cNvPr id="60" name="直接连接符 59"/>
           <p:cNvCxnSpPr/>
           <p:nvPr/>
         </p:nvCxnSpPr>
         <p:spPr>
           <a:xfrm>
-            <a:off x="5900352" y="3925322"/>
-            <a:ext cx="817605" cy="0"/>
+            <a:off x="4628230" y="3962400"/>
+            <a:ext cx="709209" cy="0"/>
           </a:xfrm>
           <a:prstGeom prst="line">
             <a:avLst/>
@@ -4063,18 +4047,21 @@
       </p:cxnSp>
       <p:cxnSp>
         <p:nvCxnSpPr>
-          <p:cNvPr id="44" name="直接连接符 43"/>
+          <p:cNvPr id="61" name="直接箭头连接符 60"/>
           <p:cNvCxnSpPr/>
           <p:nvPr/>
         </p:nvCxnSpPr>
         <p:spPr>
-          <a:xfrm>
-            <a:off x="7199870" y="3937686"/>
-            <a:ext cx="848498" cy="0"/>
-          </a:xfrm>
-          <a:prstGeom prst="line">
-            <a:avLst/>
-          </a:prstGeom>
+          <a:xfrm flipH="1">
+            <a:off x="4628229" y="3962400"/>
+            <a:ext cx="4119" cy="297909"/>
+          </a:xfrm>
+          <a:prstGeom prst="straightConnector1">
+            <a:avLst/>
+          </a:prstGeom>
+          <a:ln>
+            <a:tailEnd type="triangle"/>
+          </a:ln>
         </p:spPr>
         <p:style>
           <a:lnRef idx="1">
@@ -4093,13 +4080,13 @@
       </p:cxnSp>
       <p:cxnSp>
         <p:nvCxnSpPr>
-          <p:cNvPr id="47" name="直接箭头连接符 46"/>
+          <p:cNvPr id="62" name="直接箭头连接符 61"/>
           <p:cNvCxnSpPr/>
           <p:nvPr/>
         </p:nvCxnSpPr>
         <p:spPr>
           <a:xfrm flipH="1">
-            <a:off x="3336323" y="3962400"/>
+            <a:off x="5329050" y="3958154"/>
             <a:ext cx="4119" cy="297909"/>
           </a:xfrm>
           <a:prstGeom prst="straightConnector1">
@@ -4126,13 +4113,73 @@
       </p:cxnSp>
       <p:cxnSp>
         <p:nvCxnSpPr>
-          <p:cNvPr id="49" name="直接箭头连接符 48"/>
+          <p:cNvPr id="63" name="直接连接符 62"/>
           <p:cNvCxnSpPr/>
           <p:nvPr/>
         </p:nvCxnSpPr>
         <p:spPr>
+          <a:xfrm>
+            <a:off x="6323639" y="3799831"/>
+            <a:ext cx="0" cy="162569"/>
+          </a:xfrm>
+          <a:prstGeom prst="line">
+            <a:avLst/>
+          </a:prstGeom>
+        </p:spPr>
+        <p:style>
+          <a:lnRef idx="1">
+            <a:schemeClr val="accent1"/>
+          </a:lnRef>
+          <a:fillRef idx="0">
+            <a:schemeClr val="accent1"/>
+          </a:fillRef>
+          <a:effectRef idx="0">
+            <a:schemeClr val="accent1"/>
+          </a:effectRef>
+          <a:fontRef idx="minor">
+            <a:schemeClr val="tx1"/>
+          </a:fontRef>
+        </p:style>
+      </p:cxnSp>
+      <p:cxnSp>
+        <p:nvCxnSpPr>
+          <p:cNvPr id="64" name="直接连接符 63"/>
+          <p:cNvCxnSpPr/>
+          <p:nvPr/>
+        </p:nvCxnSpPr>
+        <p:spPr>
+          <a:xfrm>
+            <a:off x="5970470" y="3962400"/>
+            <a:ext cx="709209" cy="0"/>
+          </a:xfrm>
+          <a:prstGeom prst="line">
+            <a:avLst/>
+          </a:prstGeom>
+        </p:spPr>
+        <p:style>
+          <a:lnRef idx="1">
+            <a:schemeClr val="accent1"/>
+          </a:lnRef>
+          <a:fillRef idx="0">
+            <a:schemeClr val="accent1"/>
+          </a:fillRef>
+          <a:effectRef idx="0">
+            <a:schemeClr val="accent1"/>
+          </a:effectRef>
+          <a:fontRef idx="minor">
+            <a:schemeClr val="tx1"/>
+          </a:fontRef>
+        </p:style>
+      </p:cxnSp>
+      <p:cxnSp>
+        <p:nvCxnSpPr>
+          <p:cNvPr id="65" name="直接箭头连接符 64"/>
+          <p:cNvCxnSpPr/>
+          <p:nvPr/>
+        </p:nvCxnSpPr>
+        <p:spPr>
           <a:xfrm flipH="1">
-            <a:off x="4003588" y="3958154"/>
+            <a:off x="5970469" y="3962400"/>
             <a:ext cx="4119" cy="297909"/>
           </a:xfrm>
           <a:prstGeom prst="straightConnector1">
@@ -4159,13 +4206,13 @@
       </p:cxnSp>
       <p:cxnSp>
         <p:nvCxnSpPr>
-          <p:cNvPr id="50" name="直接箭头连接符 49"/>
+          <p:cNvPr id="66" name="直接箭头连接符 65"/>
           <p:cNvCxnSpPr/>
           <p:nvPr/>
         </p:nvCxnSpPr>
         <p:spPr>
           <a:xfrm flipH="1">
-            <a:off x="4662613" y="3953904"/>
+            <a:off x="6671290" y="3958154"/>
             <a:ext cx="4119" cy="297909"/>
           </a:xfrm>
           <a:prstGeom prst="straightConnector1">
@@ -4192,13 +4239,73 @@
       </p:cxnSp>
       <p:cxnSp>
         <p:nvCxnSpPr>
-          <p:cNvPr id="51" name="直接箭头连接符 50"/>
+          <p:cNvPr id="67" name="直接连接符 66"/>
           <p:cNvCxnSpPr/>
           <p:nvPr/>
         </p:nvCxnSpPr>
         <p:spPr>
+          <a:xfrm>
+            <a:off x="7615545" y="3799831"/>
+            <a:ext cx="0" cy="162569"/>
+          </a:xfrm>
+          <a:prstGeom prst="line">
+            <a:avLst/>
+          </a:prstGeom>
+        </p:spPr>
+        <p:style>
+          <a:lnRef idx="1">
+            <a:schemeClr val="accent1"/>
+          </a:lnRef>
+          <a:fillRef idx="0">
+            <a:schemeClr val="accent1"/>
+          </a:fillRef>
+          <a:effectRef idx="0">
+            <a:schemeClr val="accent1"/>
+          </a:effectRef>
+          <a:fontRef idx="minor">
+            <a:schemeClr val="tx1"/>
+          </a:fontRef>
+        </p:style>
+      </p:cxnSp>
+      <p:cxnSp>
+        <p:nvCxnSpPr>
+          <p:cNvPr id="68" name="直接连接符 67"/>
+          <p:cNvCxnSpPr/>
+          <p:nvPr/>
+        </p:nvCxnSpPr>
+        <p:spPr>
+          <a:xfrm>
+            <a:off x="7262376" y="3962400"/>
+            <a:ext cx="709209" cy="0"/>
+          </a:xfrm>
+          <a:prstGeom prst="line">
+            <a:avLst/>
+          </a:prstGeom>
+        </p:spPr>
+        <p:style>
+          <a:lnRef idx="1">
+            <a:schemeClr val="accent1"/>
+          </a:lnRef>
+          <a:fillRef idx="0">
+            <a:schemeClr val="accent1"/>
+          </a:fillRef>
+          <a:effectRef idx="0">
+            <a:schemeClr val="accent1"/>
+          </a:effectRef>
+          <a:fontRef idx="minor">
+            <a:schemeClr val="tx1"/>
+          </a:fontRef>
+        </p:style>
+      </p:cxnSp>
+      <p:cxnSp>
+        <p:nvCxnSpPr>
+          <p:cNvPr id="69" name="直接箭头连接符 68"/>
+          <p:cNvCxnSpPr/>
+          <p:nvPr/>
+        </p:nvCxnSpPr>
+        <p:spPr>
           <a:xfrm flipH="1">
-            <a:off x="5263974" y="3947008"/>
+            <a:off x="7262375" y="3962400"/>
             <a:ext cx="4119" cy="297909"/>
           </a:xfrm>
           <a:prstGeom prst="straightConnector1">
@@ -4225,112 +4332,13 @@
       </p:cxnSp>
       <p:cxnSp>
         <p:nvCxnSpPr>
-          <p:cNvPr id="52" name="直接箭头连接符 51"/>
+          <p:cNvPr id="70" name="直接箭头连接符 69"/>
           <p:cNvCxnSpPr/>
           <p:nvPr/>
         </p:nvCxnSpPr>
         <p:spPr>
           <a:xfrm flipH="1">
-            <a:off x="5972434" y="3952101"/>
-            <a:ext cx="4119" cy="297909"/>
-          </a:xfrm>
-          <a:prstGeom prst="straightConnector1">
-            <a:avLst/>
-          </a:prstGeom>
-          <a:ln>
-            <a:tailEnd type="triangle"/>
-          </a:ln>
-        </p:spPr>
-        <p:style>
-          <a:lnRef idx="1">
-            <a:schemeClr val="accent1"/>
-          </a:lnRef>
-          <a:fillRef idx="0">
-            <a:schemeClr val="accent1"/>
-          </a:fillRef>
-          <a:effectRef idx="0">
-            <a:schemeClr val="accent1"/>
-          </a:effectRef>
-          <a:fontRef idx="minor">
-            <a:schemeClr val="tx1"/>
-          </a:fontRef>
-        </p:style>
-      </p:cxnSp>
-      <p:cxnSp>
-        <p:nvCxnSpPr>
-          <p:cNvPr id="53" name="直接箭头连接符 52"/>
-          <p:cNvCxnSpPr/>
-          <p:nvPr/>
-        </p:nvCxnSpPr>
-        <p:spPr>
-          <a:xfrm flipH="1">
-            <a:off x="6573794" y="3937682"/>
-            <a:ext cx="4119" cy="297909"/>
-          </a:xfrm>
-          <a:prstGeom prst="straightConnector1">
-            <a:avLst/>
-          </a:prstGeom>
-          <a:ln>
-            <a:tailEnd type="triangle"/>
-          </a:ln>
-        </p:spPr>
-        <p:style>
-          <a:lnRef idx="1">
-            <a:schemeClr val="accent1"/>
-          </a:lnRef>
-          <a:fillRef idx="0">
-            <a:schemeClr val="accent1"/>
-          </a:fillRef>
-          <a:effectRef idx="0">
-            <a:schemeClr val="accent1"/>
-          </a:effectRef>
-          <a:fontRef idx="minor">
-            <a:schemeClr val="tx1"/>
-          </a:fontRef>
-        </p:style>
-      </p:cxnSp>
-      <p:cxnSp>
-        <p:nvCxnSpPr>
-          <p:cNvPr id="54" name="直接箭头连接符 53"/>
-          <p:cNvCxnSpPr/>
-          <p:nvPr/>
-        </p:nvCxnSpPr>
-        <p:spPr>
-          <a:xfrm flipH="1">
-            <a:off x="7309026" y="3950040"/>
-            <a:ext cx="4119" cy="297909"/>
-          </a:xfrm>
-          <a:prstGeom prst="straightConnector1">
-            <a:avLst/>
-          </a:prstGeom>
-          <a:ln>
-            <a:tailEnd type="triangle"/>
-          </a:ln>
-        </p:spPr>
-        <p:style>
-          <a:lnRef idx="1">
-            <a:schemeClr val="accent1"/>
-          </a:lnRef>
-          <a:fillRef idx="0">
-            <a:schemeClr val="accent1"/>
-          </a:fillRef>
-          <a:effectRef idx="0">
-            <a:schemeClr val="accent1"/>
-          </a:effectRef>
-          <a:fontRef idx="minor">
-            <a:schemeClr val="tx1"/>
-          </a:fontRef>
-        </p:style>
-      </p:cxnSp>
-      <p:cxnSp>
-        <p:nvCxnSpPr>
-          <p:cNvPr id="55" name="直接箭头连接符 54"/>
-          <p:cNvCxnSpPr/>
-          <p:nvPr/>
-        </p:nvCxnSpPr>
-        <p:spPr>
-          <a:xfrm flipH="1">
-            <a:off x="7904205" y="3950040"/>
+            <a:off x="7963196" y="3958154"/>
             <a:ext cx="4119" cy="297909"/>
           </a:xfrm>
           <a:prstGeom prst="straightConnector1">
@@ -7125,6 +7133,1139 @@
       </p:par>
     </p:tnLst>
   </p:timing>
+</p:sld>
+</file>
+
+<file path=ppt/slides/slide5.xml><?xml version="1.0" encoding="utf-8"?>
+<p:sld xmlns:a="http://schemas.openxmlformats.org/drawingml/2006/main" xmlns:r="http://schemas.openxmlformats.org/officeDocument/2006/relationships" xmlns:p="http://schemas.openxmlformats.org/presentationml/2006/main">
+  <p:cSld>
+    <p:spTree>
+      <p:nvGrpSpPr>
+        <p:cNvPr id="1" name=""/>
+        <p:cNvGrpSpPr/>
+        <p:nvPr/>
+      </p:nvGrpSpPr>
+      <p:grpSpPr>
+        <a:xfrm>
+          <a:off x="0" y="0"/>
+          <a:ext cx="0" cy="0"/>
+          <a:chOff x="0" y="0"/>
+          <a:chExt cx="0" cy="0"/>
+        </a:xfrm>
+      </p:grpSpPr>
+      <p:sp>
+        <p:nvSpPr>
+          <p:cNvPr id="2" name="标题 1"/>
+          <p:cNvSpPr>
+            <a:spLocks noGrp="1"/>
+          </p:cNvSpPr>
+          <p:nvPr>
+            <p:ph type="title"/>
+          </p:nvPr>
+        </p:nvSpPr>
+        <p:spPr/>
+        <p:txBody>
+          <a:bodyPr/>
+          <a:lstStyle/>
+          <a:p>
+            <a:r>
+              <a:rPr lang="zh-CN" altLang="en-US" dirty="0" smtClean="0"/>
+              <a:t>设计结构图</a:t>
+            </a:r>
+            <a:endParaRPr lang="zh-CN" altLang="en-US" dirty="0"/>
+          </a:p>
+        </p:txBody>
+      </p:sp>
+      <p:sp>
+        <p:nvSpPr>
+          <p:cNvPr id="3" name="矩形 2"/>
+          <p:cNvSpPr/>
+          <p:nvPr/>
+        </p:nvSpPr>
+        <p:spPr>
+          <a:xfrm>
+            <a:off x="3090173" y="1839225"/>
+            <a:ext cx="5313406" cy="3871784"/>
+          </a:xfrm>
+          <a:prstGeom prst="rect">
+            <a:avLst/>
+          </a:prstGeom>
+        </p:spPr>
+        <p:style>
+          <a:lnRef idx="2">
+            <a:schemeClr val="accent1"/>
+          </a:lnRef>
+          <a:fillRef idx="1">
+            <a:schemeClr val="lt1"/>
+          </a:fillRef>
+          <a:effectRef idx="0">
+            <a:schemeClr val="accent1"/>
+          </a:effectRef>
+          <a:fontRef idx="minor">
+            <a:schemeClr val="dk1"/>
+          </a:fontRef>
+        </p:style>
+        <p:txBody>
+          <a:bodyPr rtlCol="0" anchor="ctr"/>
+          <a:lstStyle/>
+          <a:p>
+            <a:pPr algn="ctr"/>
+            <a:endParaRPr lang="zh-CN" altLang="en-US"/>
+          </a:p>
+        </p:txBody>
+      </p:sp>
+      <p:sp>
+        <p:nvSpPr>
+          <p:cNvPr id="4" name="矩形 3"/>
+          <p:cNvSpPr/>
+          <p:nvPr/>
+        </p:nvSpPr>
+        <p:spPr>
+          <a:xfrm>
+            <a:off x="4003589" y="1993557"/>
+            <a:ext cx="3336325" cy="420129"/>
+          </a:xfrm>
+          <a:prstGeom prst="rect">
+            <a:avLst/>
+          </a:prstGeom>
+        </p:spPr>
+        <p:style>
+          <a:lnRef idx="2">
+            <a:schemeClr val="accent1"/>
+          </a:lnRef>
+          <a:fillRef idx="1">
+            <a:schemeClr val="lt1"/>
+          </a:fillRef>
+          <a:effectRef idx="0">
+            <a:schemeClr val="accent1"/>
+          </a:effectRef>
+          <a:fontRef idx="minor">
+            <a:schemeClr val="dk1"/>
+          </a:fontRef>
+        </p:style>
+        <p:txBody>
+          <a:bodyPr rtlCol="0" anchor="ctr"/>
+          <a:lstStyle/>
+          <a:p>
+            <a:pPr algn="ctr"/>
+            <a:r>
+              <a:rPr lang="zh-CN" altLang="en-US" dirty="0" smtClean="0"/>
+              <a:t>大学生创新学分审核系统</a:t>
+            </a:r>
+            <a:endParaRPr lang="zh-CN" altLang="en-US" dirty="0"/>
+          </a:p>
+        </p:txBody>
+      </p:sp>
+      <p:cxnSp>
+        <p:nvCxnSpPr>
+          <p:cNvPr id="5" name="直接连接符 4"/>
+          <p:cNvCxnSpPr/>
+          <p:nvPr/>
+        </p:nvCxnSpPr>
+        <p:spPr>
+          <a:xfrm>
+            <a:off x="5675870" y="2413686"/>
+            <a:ext cx="0" cy="477795"/>
+          </a:xfrm>
+          <a:prstGeom prst="line">
+            <a:avLst/>
+          </a:prstGeom>
+        </p:spPr>
+        <p:style>
+          <a:lnRef idx="1">
+            <a:schemeClr val="accent1"/>
+          </a:lnRef>
+          <a:fillRef idx="0">
+            <a:schemeClr val="accent1"/>
+          </a:fillRef>
+          <a:effectRef idx="0">
+            <a:schemeClr val="accent1"/>
+          </a:effectRef>
+          <a:fontRef idx="minor">
+            <a:schemeClr val="tx1"/>
+          </a:fontRef>
+        </p:style>
+      </p:cxnSp>
+      <p:cxnSp>
+        <p:nvCxnSpPr>
+          <p:cNvPr id="6" name="直接连接符 5"/>
+          <p:cNvCxnSpPr/>
+          <p:nvPr/>
+        </p:nvCxnSpPr>
+        <p:spPr>
+          <a:xfrm>
+            <a:off x="3748216" y="2891479"/>
+            <a:ext cx="3855308" cy="0"/>
+          </a:xfrm>
+          <a:prstGeom prst="line">
+            <a:avLst/>
+          </a:prstGeom>
+        </p:spPr>
+        <p:style>
+          <a:lnRef idx="1">
+            <a:schemeClr val="accent1"/>
+          </a:lnRef>
+          <a:fillRef idx="0">
+            <a:schemeClr val="accent1"/>
+          </a:fillRef>
+          <a:effectRef idx="0">
+            <a:schemeClr val="accent1"/>
+          </a:effectRef>
+          <a:fontRef idx="minor">
+            <a:schemeClr val="tx1"/>
+          </a:fontRef>
+        </p:style>
+      </p:cxnSp>
+      <p:cxnSp>
+        <p:nvCxnSpPr>
+          <p:cNvPr id="7" name="直接箭头连接符 6"/>
+          <p:cNvCxnSpPr/>
+          <p:nvPr/>
+        </p:nvCxnSpPr>
+        <p:spPr>
+          <a:xfrm>
+            <a:off x="3748216" y="2891479"/>
+            <a:ext cx="0" cy="609602"/>
+          </a:xfrm>
+          <a:prstGeom prst="straightConnector1">
+            <a:avLst/>
+          </a:prstGeom>
+          <a:ln>
+            <a:tailEnd type="triangle"/>
+          </a:ln>
+        </p:spPr>
+        <p:style>
+          <a:lnRef idx="1">
+            <a:schemeClr val="accent1"/>
+          </a:lnRef>
+          <a:fillRef idx="0">
+            <a:schemeClr val="accent1"/>
+          </a:fillRef>
+          <a:effectRef idx="0">
+            <a:schemeClr val="accent1"/>
+          </a:effectRef>
+          <a:fontRef idx="minor">
+            <a:schemeClr val="tx1"/>
+          </a:fontRef>
+        </p:style>
+      </p:cxnSp>
+      <p:cxnSp>
+        <p:nvCxnSpPr>
+          <p:cNvPr id="8" name="直接箭头连接符 7"/>
+          <p:cNvCxnSpPr/>
+          <p:nvPr/>
+        </p:nvCxnSpPr>
+        <p:spPr>
+          <a:xfrm>
+            <a:off x="7591166" y="2879120"/>
+            <a:ext cx="0" cy="609602"/>
+          </a:xfrm>
+          <a:prstGeom prst="straightConnector1">
+            <a:avLst/>
+          </a:prstGeom>
+          <a:ln>
+            <a:tailEnd type="triangle"/>
+          </a:ln>
+        </p:spPr>
+        <p:style>
+          <a:lnRef idx="1">
+            <a:schemeClr val="accent1"/>
+          </a:lnRef>
+          <a:fillRef idx="0">
+            <a:schemeClr val="accent1"/>
+          </a:fillRef>
+          <a:effectRef idx="0">
+            <a:schemeClr val="accent1"/>
+          </a:effectRef>
+          <a:fontRef idx="minor">
+            <a:schemeClr val="tx1"/>
+          </a:fontRef>
+        </p:style>
+      </p:cxnSp>
+      <p:cxnSp>
+        <p:nvCxnSpPr>
+          <p:cNvPr id="10" name="直接箭头连接符 9"/>
+          <p:cNvCxnSpPr/>
+          <p:nvPr/>
+        </p:nvCxnSpPr>
+        <p:spPr>
+          <a:xfrm>
+            <a:off x="5681122" y="2891479"/>
+            <a:ext cx="0" cy="609602"/>
+          </a:xfrm>
+          <a:prstGeom prst="straightConnector1">
+            <a:avLst/>
+          </a:prstGeom>
+          <a:ln>
+            <a:tailEnd type="triangle"/>
+          </a:ln>
+        </p:spPr>
+        <p:style>
+          <a:lnRef idx="1">
+            <a:schemeClr val="accent1"/>
+          </a:lnRef>
+          <a:fillRef idx="0">
+            <a:schemeClr val="accent1"/>
+          </a:fillRef>
+          <a:effectRef idx="0">
+            <a:schemeClr val="accent1"/>
+          </a:effectRef>
+          <a:fontRef idx="minor">
+            <a:schemeClr val="tx1"/>
+          </a:fontRef>
+        </p:style>
+      </p:cxnSp>
+      <p:sp>
+        <p:nvSpPr>
+          <p:cNvPr id="11" name="矩形 10"/>
+          <p:cNvSpPr/>
+          <p:nvPr/>
+        </p:nvSpPr>
+        <p:spPr>
+          <a:xfrm>
+            <a:off x="3336324" y="3515623"/>
+            <a:ext cx="823784" cy="284208"/>
+          </a:xfrm>
+          <a:prstGeom prst="rect">
+            <a:avLst/>
+          </a:prstGeom>
+        </p:spPr>
+        <p:style>
+          <a:lnRef idx="2">
+            <a:schemeClr val="accent1"/>
+          </a:lnRef>
+          <a:fillRef idx="1">
+            <a:schemeClr val="lt1"/>
+          </a:fillRef>
+          <a:effectRef idx="0">
+            <a:schemeClr val="accent1"/>
+          </a:effectRef>
+          <a:fontRef idx="minor">
+            <a:schemeClr val="dk1"/>
+          </a:fontRef>
+        </p:style>
+        <p:txBody>
+          <a:bodyPr rtlCol="0" anchor="ctr"/>
+          <a:lstStyle/>
+          <a:p>
+            <a:pPr algn="ctr"/>
+            <a:r>
+              <a:rPr lang="zh-CN" altLang="en-US" sz="1200" dirty="0" smtClean="0"/>
+              <a:t>浏览器端</a:t>
+            </a:r>
+            <a:endParaRPr lang="zh-CN" altLang="en-US" sz="1200" dirty="0"/>
+          </a:p>
+        </p:txBody>
+      </p:sp>
+      <p:sp>
+        <p:nvSpPr>
+          <p:cNvPr id="12" name="矩形 11"/>
+          <p:cNvSpPr/>
+          <p:nvPr/>
+        </p:nvSpPr>
+        <p:spPr>
+          <a:xfrm>
+            <a:off x="5279869" y="3516364"/>
+            <a:ext cx="823784" cy="284208"/>
+          </a:xfrm>
+          <a:prstGeom prst="rect">
+            <a:avLst/>
+          </a:prstGeom>
+        </p:spPr>
+        <p:style>
+          <a:lnRef idx="2">
+            <a:schemeClr val="accent1"/>
+          </a:lnRef>
+          <a:fillRef idx="1">
+            <a:schemeClr val="lt1"/>
+          </a:fillRef>
+          <a:effectRef idx="0">
+            <a:schemeClr val="accent1"/>
+          </a:effectRef>
+          <a:fontRef idx="minor">
+            <a:schemeClr val="dk1"/>
+          </a:fontRef>
+        </p:style>
+        <p:txBody>
+          <a:bodyPr rtlCol="0" anchor="ctr"/>
+          <a:lstStyle/>
+          <a:p>
+            <a:pPr algn="ctr"/>
+            <a:r>
+              <a:rPr lang="zh-CN" altLang="en-US" sz="1200" dirty="0" smtClean="0"/>
+              <a:t>数据库</a:t>
+            </a:r>
+            <a:endParaRPr lang="zh-CN" altLang="en-US" sz="1200" dirty="0"/>
+          </a:p>
+        </p:txBody>
+      </p:sp>
+      <p:sp>
+        <p:nvSpPr>
+          <p:cNvPr id="14" name="矩形 13"/>
+          <p:cNvSpPr/>
+          <p:nvPr/>
+        </p:nvSpPr>
+        <p:spPr>
+          <a:xfrm>
+            <a:off x="7241060" y="3495029"/>
+            <a:ext cx="823784" cy="284208"/>
+          </a:xfrm>
+          <a:prstGeom prst="rect">
+            <a:avLst/>
+          </a:prstGeom>
+        </p:spPr>
+        <p:style>
+          <a:lnRef idx="2">
+            <a:schemeClr val="accent1"/>
+          </a:lnRef>
+          <a:fillRef idx="1">
+            <a:schemeClr val="lt1"/>
+          </a:fillRef>
+          <a:effectRef idx="0">
+            <a:schemeClr val="accent1"/>
+          </a:effectRef>
+          <a:fontRef idx="minor">
+            <a:schemeClr val="dk1"/>
+          </a:fontRef>
+        </p:style>
+        <p:txBody>
+          <a:bodyPr rtlCol="0" anchor="ctr"/>
+          <a:lstStyle/>
+          <a:p>
+            <a:pPr algn="ctr"/>
+            <a:r>
+              <a:rPr lang="zh-CN" altLang="en-US" sz="1200" dirty="0" smtClean="0"/>
+              <a:t>服务器端</a:t>
+            </a:r>
+            <a:endParaRPr lang="zh-CN" altLang="en-US" sz="1200" dirty="0"/>
+          </a:p>
+        </p:txBody>
+      </p:sp>
+      <p:cxnSp>
+        <p:nvCxnSpPr>
+          <p:cNvPr id="15" name="直接连接符 14"/>
+          <p:cNvCxnSpPr>
+            <a:stCxn id="11" idx="2"/>
+          </p:cNvCxnSpPr>
+          <p:nvPr/>
+        </p:nvCxnSpPr>
+        <p:spPr>
+          <a:xfrm>
+            <a:off x="3748216" y="3799831"/>
+            <a:ext cx="0" cy="162569"/>
+          </a:xfrm>
+          <a:prstGeom prst="line">
+            <a:avLst/>
+          </a:prstGeom>
+        </p:spPr>
+        <p:style>
+          <a:lnRef idx="1">
+            <a:schemeClr val="accent1"/>
+          </a:lnRef>
+          <a:fillRef idx="0">
+            <a:schemeClr val="accent1"/>
+          </a:fillRef>
+          <a:effectRef idx="0">
+            <a:schemeClr val="accent1"/>
+          </a:effectRef>
+          <a:fontRef idx="minor">
+            <a:schemeClr val="tx1"/>
+          </a:fontRef>
+        </p:style>
+      </p:cxnSp>
+      <p:cxnSp>
+        <p:nvCxnSpPr>
+          <p:cNvPr id="16" name="直接连接符 15"/>
+          <p:cNvCxnSpPr/>
+          <p:nvPr/>
+        </p:nvCxnSpPr>
+        <p:spPr>
+          <a:xfrm>
+            <a:off x="5695879" y="3788212"/>
+            <a:ext cx="0" cy="162569"/>
+          </a:xfrm>
+          <a:prstGeom prst="line">
+            <a:avLst/>
+          </a:prstGeom>
+        </p:spPr>
+        <p:style>
+          <a:lnRef idx="1">
+            <a:schemeClr val="accent1"/>
+          </a:lnRef>
+          <a:fillRef idx="0">
+            <a:schemeClr val="accent1"/>
+          </a:fillRef>
+          <a:effectRef idx="0">
+            <a:schemeClr val="accent1"/>
+          </a:effectRef>
+          <a:fontRef idx="minor">
+            <a:schemeClr val="tx1"/>
+          </a:fontRef>
+        </p:style>
+      </p:cxnSp>
+      <p:cxnSp>
+        <p:nvCxnSpPr>
+          <p:cNvPr id="18" name="直接连接符 17"/>
+          <p:cNvCxnSpPr/>
+          <p:nvPr/>
+        </p:nvCxnSpPr>
+        <p:spPr>
+          <a:xfrm>
+            <a:off x="7607646" y="3770991"/>
+            <a:ext cx="0" cy="162569"/>
+          </a:xfrm>
+          <a:prstGeom prst="line">
+            <a:avLst/>
+          </a:prstGeom>
+        </p:spPr>
+        <p:style>
+          <a:lnRef idx="1">
+            <a:schemeClr val="accent1"/>
+          </a:lnRef>
+          <a:fillRef idx="0">
+            <a:schemeClr val="accent1"/>
+          </a:fillRef>
+          <a:effectRef idx="0">
+            <a:schemeClr val="accent1"/>
+          </a:effectRef>
+          <a:fontRef idx="minor">
+            <a:schemeClr val="tx1"/>
+          </a:fontRef>
+        </p:style>
+      </p:cxnSp>
+      <p:sp>
+        <p:nvSpPr>
+          <p:cNvPr id="19" name="矩形 18"/>
+          <p:cNvSpPr/>
+          <p:nvPr/>
+        </p:nvSpPr>
+        <p:spPr>
+          <a:xfrm>
+            <a:off x="3256761" y="4260309"/>
+            <a:ext cx="280087" cy="1235675"/>
+          </a:xfrm>
+          <a:prstGeom prst="rect">
+            <a:avLst/>
+          </a:prstGeom>
+        </p:spPr>
+        <p:style>
+          <a:lnRef idx="2">
+            <a:schemeClr val="accent1"/>
+          </a:lnRef>
+          <a:fillRef idx="1">
+            <a:schemeClr val="lt1"/>
+          </a:fillRef>
+          <a:effectRef idx="0">
+            <a:schemeClr val="accent1"/>
+          </a:effectRef>
+          <a:fontRef idx="minor">
+            <a:schemeClr val="dk1"/>
+          </a:fontRef>
+        </p:style>
+        <p:txBody>
+          <a:bodyPr vert="eaVert" rtlCol="0" anchor="ctr"/>
+          <a:lstStyle/>
+          <a:p>
+            <a:pPr algn="ctr"/>
+            <a:r>
+              <a:rPr lang="zh-CN" altLang="en-US" sz="1200" dirty="0" smtClean="0"/>
+              <a:t>申请者页面设计</a:t>
+            </a:r>
+            <a:endParaRPr lang="zh-CN" altLang="en-US" sz="1200" dirty="0"/>
+          </a:p>
+        </p:txBody>
+      </p:sp>
+      <p:sp>
+        <p:nvSpPr>
+          <p:cNvPr id="20" name="矩形 19"/>
+          <p:cNvSpPr/>
+          <p:nvPr/>
+        </p:nvSpPr>
+        <p:spPr>
+          <a:xfrm>
+            <a:off x="3947133" y="4251816"/>
+            <a:ext cx="280087" cy="1235675"/>
+          </a:xfrm>
+          <a:prstGeom prst="rect">
+            <a:avLst/>
+          </a:prstGeom>
+        </p:spPr>
+        <p:style>
+          <a:lnRef idx="2">
+            <a:schemeClr val="accent1"/>
+          </a:lnRef>
+          <a:fillRef idx="1">
+            <a:schemeClr val="lt1"/>
+          </a:fillRef>
+          <a:effectRef idx="0">
+            <a:schemeClr val="accent1"/>
+          </a:effectRef>
+          <a:fontRef idx="minor">
+            <a:schemeClr val="dk1"/>
+          </a:fontRef>
+        </p:style>
+        <p:txBody>
+          <a:bodyPr vert="eaVert" rtlCol="0" anchor="ctr"/>
+          <a:lstStyle/>
+          <a:p>
+            <a:pPr algn="ctr"/>
+            <a:r>
+              <a:rPr lang="zh-CN" altLang="en-US" sz="1200" dirty="0" smtClean="0"/>
+              <a:t>审核</a:t>
+            </a:r>
+            <a:r>
+              <a:rPr lang="zh-CN" altLang="en-US" sz="1200" dirty="0" smtClean="0"/>
+              <a:t>者页面设计</a:t>
+            </a:r>
+            <a:endParaRPr lang="zh-CN" altLang="en-US" sz="1200" dirty="0"/>
+          </a:p>
+        </p:txBody>
+      </p:sp>
+      <p:cxnSp>
+        <p:nvCxnSpPr>
+          <p:cNvPr id="27" name="直接连接符 26"/>
+          <p:cNvCxnSpPr/>
+          <p:nvPr/>
+        </p:nvCxnSpPr>
+        <p:spPr>
+          <a:xfrm>
+            <a:off x="3395047" y="3962400"/>
+            <a:ext cx="709209" cy="0"/>
+          </a:xfrm>
+          <a:prstGeom prst="line">
+            <a:avLst/>
+          </a:prstGeom>
+        </p:spPr>
+        <p:style>
+          <a:lnRef idx="1">
+            <a:schemeClr val="accent1"/>
+          </a:lnRef>
+          <a:fillRef idx="0">
+            <a:schemeClr val="accent1"/>
+          </a:fillRef>
+          <a:effectRef idx="0">
+            <a:schemeClr val="accent1"/>
+          </a:effectRef>
+          <a:fontRef idx="minor">
+            <a:schemeClr val="tx1"/>
+          </a:fontRef>
+        </p:style>
+      </p:cxnSp>
+      <p:cxnSp>
+        <p:nvCxnSpPr>
+          <p:cNvPr id="31" name="直接箭头连接符 30"/>
+          <p:cNvCxnSpPr/>
+          <p:nvPr/>
+        </p:nvCxnSpPr>
+        <p:spPr>
+          <a:xfrm flipH="1">
+            <a:off x="3395046" y="3962400"/>
+            <a:ext cx="4119" cy="297909"/>
+          </a:xfrm>
+          <a:prstGeom prst="straightConnector1">
+            <a:avLst/>
+          </a:prstGeom>
+          <a:ln>
+            <a:tailEnd type="triangle"/>
+          </a:ln>
+        </p:spPr>
+        <p:style>
+          <a:lnRef idx="1">
+            <a:schemeClr val="accent1"/>
+          </a:lnRef>
+          <a:fillRef idx="0">
+            <a:schemeClr val="accent1"/>
+          </a:fillRef>
+          <a:effectRef idx="0">
+            <a:schemeClr val="accent1"/>
+          </a:effectRef>
+          <a:fontRef idx="minor">
+            <a:schemeClr val="tx1"/>
+          </a:fontRef>
+        </p:style>
+      </p:cxnSp>
+      <p:cxnSp>
+        <p:nvCxnSpPr>
+          <p:cNvPr id="32" name="直接箭头连接符 31"/>
+          <p:cNvCxnSpPr/>
+          <p:nvPr/>
+        </p:nvCxnSpPr>
+        <p:spPr>
+          <a:xfrm flipH="1">
+            <a:off x="4095867" y="3958154"/>
+            <a:ext cx="4119" cy="297909"/>
+          </a:xfrm>
+          <a:prstGeom prst="straightConnector1">
+            <a:avLst/>
+          </a:prstGeom>
+          <a:ln>
+            <a:tailEnd type="triangle"/>
+          </a:ln>
+        </p:spPr>
+        <p:style>
+          <a:lnRef idx="1">
+            <a:schemeClr val="accent1"/>
+          </a:lnRef>
+          <a:fillRef idx="0">
+            <a:schemeClr val="accent1"/>
+          </a:fillRef>
+          <a:effectRef idx="0">
+            <a:schemeClr val="accent1"/>
+          </a:effectRef>
+          <a:fontRef idx="minor">
+            <a:schemeClr val="tx1"/>
+          </a:fontRef>
+        </p:style>
+      </p:cxnSp>
+      <p:sp>
+        <p:nvSpPr>
+          <p:cNvPr id="41" name="矩形 40"/>
+          <p:cNvSpPr/>
+          <p:nvPr/>
+        </p:nvSpPr>
+        <p:spPr>
+          <a:xfrm>
+            <a:off x="5212796" y="4261707"/>
+            <a:ext cx="280087" cy="1235675"/>
+          </a:xfrm>
+          <a:prstGeom prst="rect">
+            <a:avLst/>
+          </a:prstGeom>
+        </p:spPr>
+        <p:style>
+          <a:lnRef idx="2">
+            <a:schemeClr val="accent1"/>
+          </a:lnRef>
+          <a:fillRef idx="1">
+            <a:schemeClr val="lt1"/>
+          </a:fillRef>
+          <a:effectRef idx="0">
+            <a:schemeClr val="accent1"/>
+          </a:effectRef>
+          <a:fontRef idx="minor">
+            <a:schemeClr val="dk1"/>
+          </a:fontRef>
+        </p:style>
+        <p:txBody>
+          <a:bodyPr vert="eaVert" rtlCol="0" anchor="ctr"/>
+          <a:lstStyle/>
+          <a:p>
+            <a:pPr algn="ctr"/>
+            <a:r>
+              <a:rPr lang="en-US" altLang="zh-CN" sz="1200" dirty="0" smtClean="0"/>
+              <a:t>E-R</a:t>
+            </a:r>
+            <a:r>
+              <a:rPr lang="zh-CN" altLang="en-US" sz="1200" dirty="0" smtClean="0"/>
+              <a:t>图设计数据库</a:t>
+            </a:r>
+            <a:endParaRPr lang="zh-CN" altLang="en-US" sz="1200" dirty="0"/>
+          </a:p>
+        </p:txBody>
+      </p:sp>
+      <p:sp>
+        <p:nvSpPr>
+          <p:cNvPr id="42" name="矩形 41"/>
+          <p:cNvSpPr/>
+          <p:nvPr/>
+        </p:nvSpPr>
+        <p:spPr>
+          <a:xfrm>
+            <a:off x="5903168" y="4253214"/>
+            <a:ext cx="280087" cy="1235675"/>
+          </a:xfrm>
+          <a:prstGeom prst="rect">
+            <a:avLst/>
+          </a:prstGeom>
+        </p:spPr>
+        <p:style>
+          <a:lnRef idx="2">
+            <a:schemeClr val="accent1"/>
+          </a:lnRef>
+          <a:fillRef idx="1">
+            <a:schemeClr val="lt1"/>
+          </a:fillRef>
+          <a:effectRef idx="0">
+            <a:schemeClr val="accent1"/>
+          </a:effectRef>
+          <a:fontRef idx="minor">
+            <a:schemeClr val="dk1"/>
+          </a:fontRef>
+        </p:style>
+        <p:txBody>
+          <a:bodyPr vert="eaVert" rtlCol="0" anchor="ctr"/>
+          <a:lstStyle/>
+          <a:p>
+            <a:pPr algn="ctr"/>
+            <a:r>
+              <a:rPr lang="zh-CN" altLang="en-US" sz="1200" dirty="0" smtClean="0"/>
+              <a:t>范式分析建表</a:t>
+            </a:r>
+            <a:endParaRPr lang="zh-CN" altLang="en-US" sz="1200" dirty="0"/>
+          </a:p>
+        </p:txBody>
+      </p:sp>
+      <p:cxnSp>
+        <p:nvCxnSpPr>
+          <p:cNvPr id="43" name="直接连接符 42"/>
+          <p:cNvCxnSpPr/>
+          <p:nvPr/>
+        </p:nvCxnSpPr>
+        <p:spPr>
+          <a:xfrm>
+            <a:off x="5351082" y="3963798"/>
+            <a:ext cx="709209" cy="0"/>
+          </a:xfrm>
+          <a:prstGeom prst="line">
+            <a:avLst/>
+          </a:prstGeom>
+        </p:spPr>
+        <p:style>
+          <a:lnRef idx="1">
+            <a:schemeClr val="accent1"/>
+          </a:lnRef>
+          <a:fillRef idx="0">
+            <a:schemeClr val="accent1"/>
+          </a:fillRef>
+          <a:effectRef idx="0">
+            <a:schemeClr val="accent1"/>
+          </a:effectRef>
+          <a:fontRef idx="minor">
+            <a:schemeClr val="tx1"/>
+          </a:fontRef>
+        </p:style>
+      </p:cxnSp>
+      <p:cxnSp>
+        <p:nvCxnSpPr>
+          <p:cNvPr id="44" name="直接箭头连接符 43"/>
+          <p:cNvCxnSpPr/>
+          <p:nvPr/>
+        </p:nvCxnSpPr>
+        <p:spPr>
+          <a:xfrm flipH="1">
+            <a:off x="5351081" y="3963798"/>
+            <a:ext cx="4119" cy="297909"/>
+          </a:xfrm>
+          <a:prstGeom prst="straightConnector1">
+            <a:avLst/>
+          </a:prstGeom>
+          <a:ln>
+            <a:tailEnd type="triangle"/>
+          </a:ln>
+        </p:spPr>
+        <p:style>
+          <a:lnRef idx="1">
+            <a:schemeClr val="accent1"/>
+          </a:lnRef>
+          <a:fillRef idx="0">
+            <a:schemeClr val="accent1"/>
+          </a:fillRef>
+          <a:effectRef idx="0">
+            <a:schemeClr val="accent1"/>
+          </a:effectRef>
+          <a:fontRef idx="minor">
+            <a:schemeClr val="tx1"/>
+          </a:fontRef>
+        </p:style>
+      </p:cxnSp>
+      <p:cxnSp>
+        <p:nvCxnSpPr>
+          <p:cNvPr id="45" name="直接箭头连接符 44"/>
+          <p:cNvCxnSpPr/>
+          <p:nvPr/>
+        </p:nvCxnSpPr>
+        <p:spPr>
+          <a:xfrm flipH="1">
+            <a:off x="6051902" y="3959552"/>
+            <a:ext cx="4119" cy="297909"/>
+          </a:xfrm>
+          <a:prstGeom prst="straightConnector1">
+            <a:avLst/>
+          </a:prstGeom>
+          <a:ln>
+            <a:tailEnd type="triangle"/>
+          </a:ln>
+        </p:spPr>
+        <p:style>
+          <a:lnRef idx="1">
+            <a:schemeClr val="accent1"/>
+          </a:lnRef>
+          <a:fillRef idx="0">
+            <a:schemeClr val="accent1"/>
+          </a:fillRef>
+          <a:effectRef idx="0">
+            <a:schemeClr val="accent1"/>
+          </a:effectRef>
+          <a:fontRef idx="minor">
+            <a:schemeClr val="tx1"/>
+          </a:fontRef>
+        </p:style>
+      </p:cxnSp>
+      <p:sp>
+        <p:nvSpPr>
+          <p:cNvPr id="46" name="矩形 45"/>
+          <p:cNvSpPr/>
+          <p:nvPr/>
+        </p:nvSpPr>
+        <p:spPr>
+          <a:xfrm>
+            <a:off x="6940930" y="4236540"/>
+            <a:ext cx="280087" cy="1235675"/>
+          </a:xfrm>
+          <a:prstGeom prst="rect">
+            <a:avLst/>
+          </a:prstGeom>
+        </p:spPr>
+        <p:style>
+          <a:lnRef idx="2">
+            <a:schemeClr val="accent1"/>
+          </a:lnRef>
+          <a:fillRef idx="1">
+            <a:schemeClr val="lt1"/>
+          </a:fillRef>
+          <a:effectRef idx="0">
+            <a:schemeClr val="accent1"/>
+          </a:effectRef>
+          <a:fontRef idx="minor">
+            <a:schemeClr val="dk1"/>
+          </a:fontRef>
+        </p:style>
+        <p:txBody>
+          <a:bodyPr vert="eaVert" rtlCol="0" anchor="ctr"/>
+          <a:lstStyle/>
+          <a:p>
+            <a:pPr algn="ctr"/>
+            <a:r>
+              <a:rPr lang="zh-CN" altLang="en-US" sz="1200" dirty="0" smtClean="0"/>
+              <a:t>申请模块设计</a:t>
+            </a:r>
+            <a:endParaRPr lang="zh-CN" altLang="en-US" sz="1200" dirty="0"/>
+          </a:p>
+        </p:txBody>
+      </p:sp>
+      <p:sp>
+        <p:nvSpPr>
+          <p:cNvPr id="47" name="矩形 46"/>
+          <p:cNvSpPr/>
+          <p:nvPr/>
+        </p:nvSpPr>
+        <p:spPr>
+          <a:xfrm>
+            <a:off x="7480300" y="4236436"/>
+            <a:ext cx="280087" cy="1235675"/>
+          </a:xfrm>
+          <a:prstGeom prst="rect">
+            <a:avLst/>
+          </a:prstGeom>
+        </p:spPr>
+        <p:style>
+          <a:lnRef idx="2">
+            <a:schemeClr val="accent1"/>
+          </a:lnRef>
+          <a:fillRef idx="1">
+            <a:schemeClr val="lt1"/>
+          </a:fillRef>
+          <a:effectRef idx="0">
+            <a:schemeClr val="accent1"/>
+          </a:effectRef>
+          <a:fontRef idx="minor">
+            <a:schemeClr val="dk1"/>
+          </a:fontRef>
+        </p:style>
+        <p:txBody>
+          <a:bodyPr vert="eaVert" rtlCol="0" anchor="ctr"/>
+          <a:lstStyle/>
+          <a:p>
+            <a:pPr algn="ctr"/>
+            <a:r>
+              <a:rPr lang="zh-CN" altLang="en-US" sz="1200" dirty="0" smtClean="0"/>
+              <a:t>审核模块设计</a:t>
+            </a:r>
+            <a:endParaRPr lang="zh-CN" altLang="en-US" sz="1200" dirty="0"/>
+          </a:p>
+        </p:txBody>
+      </p:sp>
+      <p:cxnSp>
+        <p:nvCxnSpPr>
+          <p:cNvPr id="48" name="直接连接符 47"/>
+          <p:cNvCxnSpPr/>
+          <p:nvPr/>
+        </p:nvCxnSpPr>
+        <p:spPr>
+          <a:xfrm>
+            <a:off x="7054049" y="3947020"/>
+            <a:ext cx="1116828" cy="0"/>
+          </a:xfrm>
+          <a:prstGeom prst="line">
+            <a:avLst/>
+          </a:prstGeom>
+        </p:spPr>
+        <p:style>
+          <a:lnRef idx="1">
+            <a:schemeClr val="accent1"/>
+          </a:lnRef>
+          <a:fillRef idx="0">
+            <a:schemeClr val="accent1"/>
+          </a:fillRef>
+          <a:effectRef idx="0">
+            <a:schemeClr val="accent1"/>
+          </a:effectRef>
+          <a:fontRef idx="minor">
+            <a:schemeClr val="tx1"/>
+          </a:fontRef>
+        </p:style>
+      </p:cxnSp>
+      <p:cxnSp>
+        <p:nvCxnSpPr>
+          <p:cNvPr id="49" name="直接箭头连接符 48"/>
+          <p:cNvCxnSpPr/>
+          <p:nvPr/>
+        </p:nvCxnSpPr>
+        <p:spPr>
+          <a:xfrm flipH="1">
+            <a:off x="7062437" y="3938631"/>
+            <a:ext cx="4119" cy="297909"/>
+          </a:xfrm>
+          <a:prstGeom prst="straightConnector1">
+            <a:avLst/>
+          </a:prstGeom>
+          <a:ln>
+            <a:tailEnd type="triangle"/>
+          </a:ln>
+        </p:spPr>
+        <p:style>
+          <a:lnRef idx="1">
+            <a:schemeClr val="accent1"/>
+          </a:lnRef>
+          <a:fillRef idx="0">
+            <a:schemeClr val="accent1"/>
+          </a:fillRef>
+          <a:effectRef idx="0">
+            <a:schemeClr val="accent1"/>
+          </a:effectRef>
+          <a:fontRef idx="minor">
+            <a:schemeClr val="tx1"/>
+          </a:fontRef>
+        </p:style>
+      </p:cxnSp>
+      <p:cxnSp>
+        <p:nvCxnSpPr>
+          <p:cNvPr id="50" name="直接箭头连接符 49"/>
+          <p:cNvCxnSpPr/>
+          <p:nvPr/>
+        </p:nvCxnSpPr>
+        <p:spPr>
+          <a:xfrm flipH="1">
+            <a:off x="7612256" y="3942774"/>
+            <a:ext cx="4119" cy="297909"/>
+          </a:xfrm>
+          <a:prstGeom prst="straightConnector1">
+            <a:avLst/>
+          </a:prstGeom>
+          <a:ln>
+            <a:tailEnd type="triangle"/>
+          </a:ln>
+        </p:spPr>
+        <p:style>
+          <a:lnRef idx="1">
+            <a:schemeClr val="accent1"/>
+          </a:lnRef>
+          <a:fillRef idx="0">
+            <a:schemeClr val="accent1"/>
+          </a:fillRef>
+          <a:effectRef idx="0">
+            <a:schemeClr val="accent1"/>
+          </a:effectRef>
+          <a:fontRef idx="minor">
+            <a:schemeClr val="tx1"/>
+          </a:fontRef>
+        </p:style>
+      </p:cxnSp>
+      <p:sp>
+        <p:nvSpPr>
+          <p:cNvPr id="52" name="矩形 51"/>
+          <p:cNvSpPr/>
+          <p:nvPr/>
+        </p:nvSpPr>
+        <p:spPr>
+          <a:xfrm>
+            <a:off x="8010205" y="4246223"/>
+            <a:ext cx="280087" cy="1235675"/>
+          </a:xfrm>
+          <a:prstGeom prst="rect">
+            <a:avLst/>
+          </a:prstGeom>
+        </p:spPr>
+        <p:style>
+          <a:lnRef idx="2">
+            <a:schemeClr val="accent1"/>
+          </a:lnRef>
+          <a:fillRef idx="1">
+            <a:schemeClr val="lt1"/>
+          </a:fillRef>
+          <a:effectRef idx="0">
+            <a:schemeClr val="accent1"/>
+          </a:effectRef>
+          <a:fontRef idx="minor">
+            <a:schemeClr val="dk1"/>
+          </a:fontRef>
+        </p:style>
+        <p:txBody>
+          <a:bodyPr vert="eaVert" rtlCol="0" anchor="ctr"/>
+          <a:lstStyle/>
+          <a:p>
+            <a:pPr algn="ctr"/>
+            <a:r>
+              <a:rPr lang="zh-CN" altLang="en-US" sz="1200" dirty="0" smtClean="0"/>
+              <a:t>学分模块设计</a:t>
+            </a:r>
+            <a:endParaRPr lang="zh-CN" altLang="en-US" sz="1200" dirty="0"/>
+          </a:p>
+        </p:txBody>
+      </p:sp>
+      <p:cxnSp>
+        <p:nvCxnSpPr>
+          <p:cNvPr id="53" name="直接箭头连接符 52"/>
+          <p:cNvCxnSpPr/>
+          <p:nvPr/>
+        </p:nvCxnSpPr>
+        <p:spPr>
+          <a:xfrm flipH="1">
+            <a:off x="8158939" y="3952561"/>
+            <a:ext cx="4119" cy="297909"/>
+          </a:xfrm>
+          <a:prstGeom prst="straightConnector1">
+            <a:avLst/>
+          </a:prstGeom>
+          <a:ln>
+            <a:tailEnd type="triangle"/>
+          </a:ln>
+        </p:spPr>
+        <p:style>
+          <a:lnRef idx="1">
+            <a:schemeClr val="accent1"/>
+          </a:lnRef>
+          <a:fillRef idx="0">
+            <a:schemeClr val="accent1"/>
+          </a:fillRef>
+          <a:effectRef idx="0">
+            <a:schemeClr val="accent1"/>
+          </a:effectRef>
+          <a:fontRef idx="minor">
+            <a:schemeClr val="tx1"/>
+          </a:fontRef>
+        </p:style>
+      </p:cxnSp>
+    </p:spTree>
+    <p:extLst>
+      <p:ext uri="{BB962C8B-B14F-4D97-AF65-F5344CB8AC3E}">
+        <p14:creationId xmlns:p14="http://schemas.microsoft.com/office/powerpoint/2010/main" val="2498533050"/>
+      </p:ext>
+    </p:extLst>
+  </p:cSld>
+  <p:clrMapOvr>
+    <a:masterClrMapping/>
+  </p:clrMapOvr>
 </p:sld>
 </file>
 
